--- a/Jumpstart_QAOA_Presentation.pptx
+++ b/Jumpstart_QAOA_Presentation.pptx
@@ -6383,8 +6383,21 @@
                   <a:schemeClr val="dk1"/>
                 </a:solidFill>
               </a:rPr>
-              <a:t>--- initialization of variational parameters γ and β</a:t>
+              <a:t>--- initialization of variational parameters (β, γ) and </a:t>
             </a:r>
+            <a:r>
+              <a:rPr lang="en-US" sz="1500">
+                <a:solidFill>
+                  <a:schemeClr val="dk1"/>
+                </a:solidFill>
+              </a:rPr>
+              <a:t>p values</a:t>
+            </a:r>
+            <a:endParaRPr lang="en-US" sz="1500" dirty="0">
+              <a:solidFill>
+                <a:schemeClr val="dk1"/>
+              </a:solidFill>
+            </a:endParaRPr>
           </a:p>
           <a:p>
             <a:pPr marL="0" marR="190500" indent="0">
